--- a/Cat Idle Game.pptx
+++ b/Cat Idle Game.pptx
@@ -5217,7 +5217,7 @@
                 <a:latin typeface="Verdana" panose="020B0604030504040204" pitchFamily="34" charset="0"/>
                 <a:ea typeface="Verdana" panose="020B0604030504040204" pitchFamily="34" charset="0"/>
               </a:rPr>
-              <a:t>A year divides into four seasons, the spring season can produce 10 catnip per min, and the summer season can produce 20 catnip, and autumn can produce 50 catnip while winter season produces nothing.</a:t>
+              <a:t>One hour in real life represents one year in game. The year is divided into four seasons: spring, summer, fall, and winter. Each season lasts for 15 minutes.</a:t>
             </a:r>
           </a:p>
           <a:p>
@@ -5265,7 +5265,35 @@
                 <a:latin typeface="Verdana" panose="020B0604030504040204" pitchFamily="34" charset="0"/>
                 <a:ea typeface="Verdana" panose="020B0604030504040204" pitchFamily="34" charset="0"/>
               </a:rPr>
-              <a:t>If there is no catnip for the cats to eat, the cats will die, and the player will fail the mission. </a:t>
+              <a:t>If there is no catnip for </a:t>
+            </a:r>
+            <a:r>
+              <a:rPr lang="en-US">
+                <a:latin typeface="Verdana" panose="020B0604030504040204" pitchFamily="34" charset="0"/>
+                <a:ea typeface="Verdana" panose="020B0604030504040204" pitchFamily="34" charset="0"/>
+              </a:rPr>
+              <a:t>the cat </a:t>
+            </a:r>
+            <a:r>
+              <a:rPr lang="en-US" dirty="0">
+                <a:latin typeface="Verdana" panose="020B0604030504040204" pitchFamily="34" charset="0"/>
+                <a:ea typeface="Verdana" panose="020B0604030504040204" pitchFamily="34" charset="0"/>
+              </a:rPr>
+              <a:t>to eat, </a:t>
+            </a:r>
+            <a:r>
+              <a:rPr lang="en-US">
+                <a:latin typeface="Verdana" panose="020B0604030504040204" pitchFamily="34" charset="0"/>
+                <a:ea typeface="Verdana" panose="020B0604030504040204" pitchFamily="34" charset="0"/>
+              </a:rPr>
+              <a:t>the cat </a:t>
+            </a:r>
+            <a:r>
+              <a:rPr lang="en-US" dirty="0">
+                <a:latin typeface="Verdana" panose="020B0604030504040204" pitchFamily="34" charset="0"/>
+                <a:ea typeface="Verdana" panose="020B0604030504040204" pitchFamily="34" charset="0"/>
+              </a:rPr>
+              <a:t>will die, and the player will fail the mission. </a:t>
             </a:r>
           </a:p>
           <a:p>

--- a/Cat Idle Game.pptx
+++ b/Cat Idle Game.pptx
@@ -205,7 +205,7 @@
           <a:p>
             <a:fld id="{84843EC8-2F45-4A1A-95C8-D905FB93A2FF}" type="datetimeFigureOut">
               <a:rPr lang="en-US" smtClean="0"/>
-              <a:t>5/6/2020</a:t>
+              <a:t>5/6/20</a:t>
             </a:fld>
             <a:endParaRPr lang="en-US"/>
           </a:p>
@@ -977,7 +977,7 @@
             <a:fld id="{65D281B3-CF9F-4DAF-9ED9-68D14E0ED4E3}" type="datetime1">
               <a:rPr lang="en-US" smtClean="0"/>
               <a:pPr/>
-              <a:t>5/6/2020</a:t>
+              <a:t>5/6/20</a:t>
             </a:fld>
             <a:endParaRPr lang="en-US"/>
           </a:p>
@@ -1187,7 +1187,7 @@
             <a:fld id="{C2379E68-8449-45AD-9D4F-7BD5CF91A5EC}" type="datetime1">
               <a:rPr lang="en-US" smtClean="0"/>
               <a:pPr/>
-              <a:t>5/6/2020</a:t>
+              <a:t>5/6/20</a:t>
             </a:fld>
             <a:endParaRPr lang="en-US"/>
           </a:p>
@@ -1445,7 +1445,7 @@
             <a:fld id="{EAC65793-E051-4E82-98BA-AFD651DD3533}" type="datetime1">
               <a:rPr lang="en-US" smtClean="0"/>
               <a:pPr/>
-              <a:t>5/6/2020</a:t>
+              <a:t>5/6/20</a:t>
             </a:fld>
             <a:endParaRPr lang="en-US"/>
           </a:p>
@@ -1621,7 +1621,7 @@
             <a:fld id="{BFB9A1B6-FBEA-451E-9B7C-804BB57A94DE}" type="datetime1">
               <a:rPr lang="en-US" smtClean="0"/>
               <a:pPr/>
-              <a:t>5/6/2020</a:t>
+              <a:t>5/6/20</a:t>
             </a:fld>
             <a:endParaRPr lang="en-US"/>
           </a:p>
@@ -1966,7 +1966,7 @@
             <a:fld id="{D638F0DB-1DF8-4F96-866D-353E880133E8}" type="datetime1">
               <a:rPr lang="en-US" smtClean="0"/>
               <a:pPr/>
-              <a:t>5/6/2020</a:t>
+              <a:t>5/6/20</a:t>
             </a:fld>
             <a:endParaRPr lang="en-US"/>
           </a:p>
@@ -2243,7 +2243,7 @@
             <a:fld id="{0E331B4B-1DCD-4BAC-A568-79F800D6CF60}" type="datetime1">
               <a:rPr lang="en-US" smtClean="0"/>
               <a:pPr/>
-              <a:t>5/6/2020</a:t>
+              <a:t>5/6/20</a:t>
             </a:fld>
             <a:endParaRPr lang="en-US"/>
           </a:p>
@@ -2624,7 +2624,7 @@
             <a:fld id="{B08E2133-BF97-4F25-8E1B-3EC8C6554505}" type="datetime1">
               <a:rPr lang="en-US" smtClean="0"/>
               <a:pPr/>
-              <a:t>5/6/2020</a:t>
+              <a:t>5/6/20</a:t>
             </a:fld>
             <a:endParaRPr lang="en-US"/>
           </a:p>
@@ -2744,7 +2744,7 @@
             <a:fld id="{724E3AA7-6E7F-4FA5-BB68-1042D6074F5D}" type="datetime1">
               <a:rPr lang="en-US" smtClean="0"/>
               <a:pPr/>
-              <a:t>5/6/2020</a:t>
+              <a:t>5/6/20</a:t>
             </a:fld>
             <a:endParaRPr lang="en-US"/>
           </a:p>
@@ -2917,7 +2917,7 @@
             <a:fld id="{ECD9AF43-C63A-4E89-B5D3-11E6D51088A3}" type="datetime1">
               <a:rPr lang="en-US" smtClean="0"/>
               <a:pPr/>
-              <a:t>5/6/2020</a:t>
+              <a:t>5/6/20</a:t>
             </a:fld>
             <a:endParaRPr lang="en-US"/>
           </a:p>
@@ -3273,7 +3273,7 @@
             <a:fld id="{690D2183-C6DB-4505-8840-A353630350DD}" type="datetime1">
               <a:rPr lang="en-US" smtClean="0"/>
               <a:pPr/>
-              <a:t>5/6/2020</a:t>
+              <a:t>5/6/20</a:t>
             </a:fld>
             <a:endParaRPr lang="en-US"/>
           </a:p>
@@ -3669,7 +3669,7 @@
             <a:fld id="{F0295517-7AB5-481E-BF59-72694B0607A1}" type="datetime1">
               <a:rPr lang="en-US" smtClean="0"/>
               <a:pPr/>
-              <a:t>5/6/2020</a:t>
+              <a:t>5/6/20</a:t>
             </a:fld>
             <a:endParaRPr lang="en-US"/>
           </a:p>
@@ -3958,7 +3958,7 @@
             <a:fld id="{1B15B3F0-0514-436E-8CB4-8568D1430955}" type="datetime1">
               <a:rPr lang="en-US" smtClean="0"/>
               <a:pPr/>
-              <a:t>5/6/2020</a:t>
+              <a:t>5/6/20</a:t>
             </a:fld>
             <a:endParaRPr lang="en-US"/>
           </a:p>
@@ -5217,7 +5217,7 @@
                 <a:latin typeface="Verdana" panose="020B0604030504040204" pitchFamily="34" charset="0"/>
                 <a:ea typeface="Verdana" panose="020B0604030504040204" pitchFamily="34" charset="0"/>
               </a:rPr>
-              <a:t>One hour in real life represents one year in game. The year is divided into four seasons: spring, summer, fall, and winter. Each season lasts for 15 minutes.</a:t>
+              <a:t>Speed up feature costs $100, it boosts the seed growing process also will speed up the catnip consumption by 5x faster</a:t>
             </a:r>
           </a:p>
           <a:p>
@@ -5233,7 +5233,7 @@
                 <a:latin typeface="Verdana" panose="020B0604030504040204" pitchFamily="34" charset="0"/>
                 <a:ea typeface="Verdana" panose="020B0604030504040204" pitchFamily="34" charset="0"/>
               </a:rPr>
-              <a:t>A planted seed will become ripe after 5 minutes in spring, 3 minutes in summer, 1 minute in fall, and 10 minutes in winter.</a:t>
+              <a:t>TopUp provides a option that user can buy the game currency with money</a:t>
             </a:r>
           </a:p>
           <a:p>
@@ -5249,7 +5249,7 @@
                 <a:latin typeface="Verdana" panose="020B0604030504040204" pitchFamily="34" charset="0"/>
                 <a:ea typeface="Verdana" panose="020B0604030504040204" pitchFamily="34" charset="0"/>
               </a:rPr>
-              <a:t>A cat eats 1 catnip per 6 minutes</a:t>
+              <a:t>One hour in real life represents one year in game. The year is divided into four seasons: spring, summer, fall, and winter. Each season lasts for 15 minutes.</a:t>
             </a:r>
           </a:p>
           <a:p>
@@ -5265,35 +5265,39 @@
                 <a:latin typeface="Verdana" panose="020B0604030504040204" pitchFamily="34" charset="0"/>
                 <a:ea typeface="Verdana" panose="020B0604030504040204" pitchFamily="34" charset="0"/>
               </a:rPr>
-              <a:t>If there is no catnip for </a:t>
-            </a:r>
-            <a:r>
-              <a:rPr lang="en-US">
-                <a:latin typeface="Verdana" panose="020B0604030504040204" pitchFamily="34" charset="0"/>
-                <a:ea typeface="Verdana" panose="020B0604030504040204" pitchFamily="34" charset="0"/>
-              </a:rPr>
-              <a:t>the cat </a:t>
-            </a:r>
+              <a:t>A planted seed will become ripe after 5 minutes in spring, 3 minutes in summer, 1 minute in fall, and 10 minutes in winter.</a:t>
+            </a:r>
+          </a:p>
+          <a:p>
+            <a:pPr marL="544068" lvl="1" indent="-342900">
+              <a:lnSpc>
+                <a:spcPct val="100000"/>
+              </a:lnSpc>
+              <a:buFont typeface="+mj-lt"/>
+              <a:buAutoNum type="arabicPeriod"/>
+            </a:pPr>
             <a:r>
               <a:rPr lang="en-US" dirty="0">
                 <a:latin typeface="Verdana" panose="020B0604030504040204" pitchFamily="34" charset="0"/>
                 <a:ea typeface="Verdana" panose="020B0604030504040204" pitchFamily="34" charset="0"/>
               </a:rPr>
-              <a:t>to eat, </a:t>
-            </a:r>
-            <a:r>
-              <a:rPr lang="en-US">
-                <a:latin typeface="Verdana" panose="020B0604030504040204" pitchFamily="34" charset="0"/>
-                <a:ea typeface="Verdana" panose="020B0604030504040204" pitchFamily="34" charset="0"/>
-              </a:rPr>
-              <a:t>the cat </a:t>
-            </a:r>
+              <a:t>A cat eats 1 catnip per 6 minutes</a:t>
+            </a:r>
+          </a:p>
+          <a:p>
+            <a:pPr marL="544068" lvl="1" indent="-342900">
+              <a:lnSpc>
+                <a:spcPct val="100000"/>
+              </a:lnSpc>
+              <a:buFont typeface="+mj-lt"/>
+              <a:buAutoNum type="arabicPeriod"/>
+            </a:pPr>
             <a:r>
               <a:rPr lang="en-US" dirty="0">
                 <a:latin typeface="Verdana" panose="020B0604030504040204" pitchFamily="34" charset="0"/>
                 <a:ea typeface="Verdana" panose="020B0604030504040204" pitchFamily="34" charset="0"/>
               </a:rPr>
-              <a:t>will die, and the player will fail the mission. </a:t>
+              <a:t>If there is no catnip for the cat to eat, the cat will die, and the player will fail the mission. </a:t>
             </a:r>
           </a:p>
           <a:p>
